--- a/Introduction_EN.pptx
+++ b/Introduction_EN.pptx
@@ -4905,15 +4905,7 @@
                           <a:ea typeface="Verdana" pitchFamily="34" charset="0"/>
                           <a:cs typeface="Verdana" pitchFamily="34" charset="0"/>
                         </a:rPr>
-                        <a:t>Corresponding </a:t>
-                      </a:r>
-                      <a:r>
-                        <a:rPr lang="en-US" altLang="ja-JP" sz="1800" dirty="0" smtClean="0">
-                          <a:latin typeface="Verdana" pitchFamily="34" charset="0"/>
-                          <a:ea typeface="Verdana" pitchFamily="34" charset="0"/>
-                          <a:cs typeface="Verdana" pitchFamily="34" charset="0"/>
-                        </a:rPr>
-                        <a:t>to </a:t>
+                        <a:t>Corresponding to </a:t>
                       </a:r>
                       <a:r>
                         <a:rPr lang="en-US" altLang="ja-JP" sz="1800" dirty="0" err="1" smtClean="0">
@@ -7289,17 +7281,8 @@
             </a:r>
             <a:r>
               <a:rPr lang="en-US" altLang="ja-JP" sz="1600" dirty="0" smtClean="0"/>
-              <a:t>Online </a:t>
-            </a:r>
-            <a:r>
-              <a:rPr lang="en-US" altLang="ja-JP" sz="1600" dirty="0" smtClean="0"/>
-              <a:t>processing and Batch processing that is customized to fit the architecture of the system of the project is Called </a:t>
-            </a:r>
-            <a:r>
-              <a:rPr lang="en-US" altLang="ja-JP" sz="1600" dirty="0" smtClean="0"/>
-              <a:t>“project template”.</a:t>
-            </a:r>
-            <a:endParaRPr lang="en-US" altLang="ja-JP" sz="1600" dirty="0" smtClean="0"/>
+              <a:t>Online processing and Batch processing that is customized to fit the architecture of the system of the project is Called “project template”.</a:t>
+            </a:r>
           </a:p>
           <a:p>
             <a:pPr algn="l"/>
@@ -7309,17 +7292,8 @@
             </a:r>
             <a:r>
               <a:rPr lang="en-US" altLang="ja-JP" sz="1600" dirty="0" smtClean="0"/>
-              <a:t>Beforehand </a:t>
-            </a:r>
-            <a:r>
-              <a:rPr lang="en-US" altLang="ja-JP" sz="1600" dirty="0" smtClean="0"/>
-              <a:t>Prepares project template and deploy to the project, This allow a rapid start-up of development of </a:t>
-            </a:r>
-            <a:r>
-              <a:rPr lang="en-US" altLang="ja-JP" sz="1600" dirty="0" smtClean="0"/>
-              <a:t>projects.</a:t>
-            </a:r>
-            <a:endParaRPr lang="en-US" altLang="ja-JP" sz="1600" dirty="0" smtClean="0"/>
+              <a:t>Beforehand Prepares project template and deploy to the project, This allow a rapid start-up of development of projects.</a:t>
+            </a:r>
           </a:p>
           <a:p>
             <a:pPr algn="l"/>
@@ -7337,15 +7311,7 @@
                   <a:srgbClr val="0000FF"/>
                 </a:solidFill>
               </a:rPr>
-              <a:t>template-base </a:t>
-            </a:r>
-            <a:r>
-              <a:rPr lang="en-US" altLang="ja-JP" sz="1600" b="1" dirty="0" smtClean="0">
-                <a:solidFill>
-                  <a:srgbClr val="0000FF"/>
-                </a:solidFill>
-              </a:rPr>
-              <a:t>is published to facilitate the preparation of the project template. See the "Tutorial_Template_development.doc" for ways to use Template-base.</a:t>
+              <a:t>template-base is published to facilitate the preparation of the project template. See the "Tutorial_Template_development.doc" for ways to use Template-base.</a:t>
             </a:r>
             <a:endParaRPr lang="en-US" altLang="ja-JP" sz="1600" b="1" dirty="0" smtClean="0">
               <a:solidFill>
@@ -7390,11 +7356,7 @@
           <a:p>
             <a:r>
               <a:rPr lang="en-US" altLang="ja-JP" sz="2400" dirty="0" smtClean="0"/>
-              <a:t>“Project template” </a:t>
-            </a:r>
-            <a:r>
-              <a:rPr lang="en-US" altLang="ja-JP" sz="2400" dirty="0" smtClean="0"/>
-              <a:t>reflecting</a:t>
+              <a:t>“Project template” reflecting</a:t>
             </a:r>
           </a:p>
           <a:p>
@@ -10306,11 +10268,7 @@
             </a:r>
             <a:r>
               <a:rPr lang="en-US" altLang="ja-JP" sz="1600" dirty="0" smtClean="0"/>
-              <a:t>Also</a:t>
-            </a:r>
-            <a:r>
-              <a:rPr lang="en-US" altLang="ja-JP" sz="1600" dirty="0" smtClean="0"/>
-              <a:t>, it is also possible to implement interoperation between .NET </a:t>
+              <a:t>Also, it is also possible to implement interoperation between .NET </a:t>
             </a:r>
             <a:r>
               <a:rPr lang="ja-JP" altLang="en-US" sz="1600" dirty="0"/>
@@ -13074,19 +13032,7 @@
             </a:pPr>
             <a:r>
               <a:rPr lang="en-US" altLang="ja-JP" sz="2400" dirty="0" smtClean="0"/>
-              <a:t>Communication control function</a:t>
-            </a:r>
-            <a:r>
-              <a:rPr lang="en-US" altLang="ja-JP" sz="2400" dirty="0" smtClean="0"/>
-              <a:t> </a:t>
-            </a:r>
-            <a:r>
-              <a:rPr lang="en-US" altLang="ja-JP" sz="2400" dirty="0" smtClean="0"/>
-              <a:t>facilitates the development of complex three-tier </a:t>
-            </a:r>
-            <a:r>
-              <a:rPr lang="en-US" altLang="ja-JP" sz="2400" dirty="0" smtClean="0"/>
-              <a:t>system.</a:t>
+              <a:t>Communication control function facilitates the development of complex three-tier system.</a:t>
             </a:r>
             <a:endParaRPr lang="ja-JP" altLang="en-US" sz="2400" dirty="0"/>
           </a:p>
@@ -13138,15 +13084,7 @@
           <a:p>
             <a:r>
               <a:rPr lang="en-US" altLang="ja-JP" sz="2000" dirty="0" smtClean="0"/>
-              <a:t>By communication control function to hide the cumbersome communication process, </a:t>
-            </a:r>
-            <a:r>
-              <a:rPr lang="en-US" altLang="ja-JP" sz="2000" dirty="0" smtClean="0"/>
-              <a:t>Developers </a:t>
-            </a:r>
-            <a:r>
-              <a:rPr lang="en-US" altLang="ja-JP" sz="2000" dirty="0" smtClean="0"/>
-              <a:t>can focus on the implementation of the business logic.</a:t>
+              <a:t>By communication control function to hide the cumbersome communication process, Developers can focus on the implementation of the business logic.</a:t>
             </a:r>
             <a:endParaRPr lang="en-US" altLang="ja-JP" sz="2000" dirty="0"/>
           </a:p>
@@ -29701,11 +29639,7 @@
             </a:r>
             <a:r>
               <a:rPr lang="en-US" altLang="ja-JP" sz="1800" dirty="0" smtClean="0"/>
-              <a:t> </a:t>
-            </a:r>
-            <a:r>
-              <a:rPr lang="en-US" altLang="ja-JP" sz="1800" dirty="0" smtClean="0"/>
-              <a:t>has been developed by Hitachi Solutions (Formerly Hitachi Systems &amp; Services) in 2007. </a:t>
+              <a:t> has been developed by Hitachi Solutions (Formerly Hitachi Systems &amp; Services) in 2007. </a:t>
             </a:r>
           </a:p>
           <a:p>
@@ -29788,13 +29722,8 @@
             </a:r>
             <a:r>
               <a:rPr lang="en-US" altLang="ja-JP" sz="1800" dirty="0" smtClean="0"/>
-              <a:t>, It had been internal use as .NET application development framework</a:t>
-            </a:r>
-            <a:r>
-              <a:rPr lang="en-US" altLang="ja-JP" sz="1800" dirty="0" smtClean="0"/>
-              <a:t>.</a:t>
-            </a:r>
-            <a:endParaRPr lang="en-US" altLang="ja-JP" sz="1800" dirty="0" smtClean="0"/>
+              <a:t>, It had been internal use as .NET application development framework.</a:t>
+            </a:r>
           </a:p>
         </p:txBody>
       </p:sp>
@@ -29923,15 +29852,7 @@
             </a:pPr>
             <a:r>
               <a:rPr lang="en-US" altLang="ja-JP" sz="3200" b="1" dirty="0" smtClean="0"/>
-              <a:t>4</a:t>
-            </a:r>
-            <a:r>
-              <a:rPr lang="en-US" altLang="ja-JP" sz="3200" b="1" dirty="0" smtClean="0"/>
-              <a:t>.</a:t>
-            </a:r>
-            <a:r>
-              <a:rPr lang="en-US" altLang="ja-JP" sz="3200" b="1" dirty="0" smtClean="0"/>
-              <a:t> </a:t>
+              <a:t>4. </a:t>
             </a:r>
             <a:r>
               <a:rPr lang="en-US" altLang="ja-JP" sz="2400" b="1" dirty="0" smtClean="0"/>
@@ -33117,14 +33038,7 @@
                 <a:ea typeface="Verdana" pitchFamily="34" charset="0"/>
                 <a:cs typeface="Verdana" pitchFamily="34" charset="0"/>
               </a:rPr>
-              <a:t>Character </a:t>
-            </a:r>
-            <a:r>
-              <a:rPr kumimoji="0" lang="en-US" altLang="ja-JP" sz="1400" dirty="0" smtClean="0">
-                <a:ea typeface="Verdana" pitchFamily="34" charset="0"/>
-                <a:cs typeface="Verdana" pitchFamily="34" charset="0"/>
-              </a:rPr>
-              <a:t>string</a:t>
+              <a:t>Character string</a:t>
             </a:r>
             <a:endParaRPr kumimoji="0" lang="ja-JP" altLang="en-US" sz="1400" dirty="0">
               <a:cs typeface="Verdana" pitchFamily="34" charset="0"/>
@@ -33644,14 +33558,7 @@
                 <a:ea typeface="Verdana" pitchFamily="34" charset="0"/>
                 <a:cs typeface="Verdana" pitchFamily="34" charset="0"/>
               </a:rPr>
-              <a:t>Data </a:t>
-            </a:r>
-            <a:r>
-              <a:rPr kumimoji="0" lang="en-US" altLang="ja-JP" sz="1600" dirty="0" smtClean="0">
-                <a:ea typeface="Verdana" pitchFamily="34" charset="0"/>
-                <a:cs typeface="Verdana" pitchFamily="34" charset="0"/>
-              </a:rPr>
-              <a:t>access</a:t>
+              <a:t>Data access</a:t>
             </a:r>
           </a:p>
           <a:p>
@@ -43446,7 +43353,15 @@
             </a:r>
             <a:r>
               <a:rPr lang="en-US" altLang="ja-JP" dirty="0" smtClean="0"/>
-              <a:t>.NET Framework 2.0 or more. </a:t>
+              <a:t>.NET Framework </a:t>
+            </a:r>
+            <a:r>
+              <a:rPr lang="en-US" altLang="ja-JP" dirty="0" smtClean="0"/>
+              <a:t>3.5 </a:t>
+            </a:r>
+            <a:r>
+              <a:rPr lang="en-US" altLang="ja-JP" dirty="0" smtClean="0"/>
+              <a:t>or more. </a:t>
             </a:r>
           </a:p>
           <a:p>
@@ -43572,7 +43487,7 @@
           <p:nvPr>
             <p:extLst>
               <p:ext uri="{D42A27DB-BD31-4B8C-83A1-F6EECF244321}">
-                <p14:modId xmlns="" xmlns:p14="http://schemas.microsoft.com/office/powerpoint/2010/main" val="3730322574"/>
+                <p14:modId xmlns:p14="http://schemas.microsoft.com/office/powerpoint/2010/main" xmlns="" val="3730322574"/>
               </p:ext>
             </p:extLst>
           </p:nvPr>
@@ -44368,7 +44283,37 @@
                           <a:ea typeface="HGP創英角ｺﾞｼｯｸUB" pitchFamily="50" charset="-128"/>
                           <a:cs typeface="Times New Roman" pitchFamily="18" charset="0"/>
                         </a:rPr>
-                        <a:t> .NET Framework 2.0 – 4.5.1</a:t>
+                        <a:t> .NET Framework </a:t>
+                      </a:r>
+                      <a:r>
+                        <a:rPr kumimoji="1" lang="en-US" altLang="ja-JP" sz="1600" b="0" i="0" u="none" strike="noStrike" cap="none" normalizeH="0" baseline="0" dirty="0" smtClean="0">
+                          <a:ln>
+                            <a:noFill/>
+                          </a:ln>
+                          <a:solidFill>
+                            <a:schemeClr val="tx1"/>
+                          </a:solidFill>
+                          <a:effectLst/>
+                          <a:latin typeface="Verdana" pitchFamily="34" charset="0"/>
+                          <a:ea typeface="HGP創英角ｺﾞｼｯｸUB" pitchFamily="50" charset="-128"/>
+                          <a:cs typeface="Times New Roman" pitchFamily="18" charset="0"/>
+                        </a:rPr>
+                        <a:t>3.5 </a:t>
+                      </a:r>
+                      <a:r>
+                        <a:rPr kumimoji="1" lang="en-US" altLang="ja-JP" sz="1600" b="0" i="0" u="none" strike="noStrike" cap="none" normalizeH="0" baseline="0" dirty="0" smtClean="0">
+                          <a:ln>
+                            <a:noFill/>
+                          </a:ln>
+                          <a:solidFill>
+                            <a:schemeClr val="tx1"/>
+                          </a:solidFill>
+                          <a:effectLst/>
+                          <a:latin typeface="Verdana" pitchFamily="34" charset="0"/>
+                          <a:ea typeface="HGP創英角ｺﾞｼｯｸUB" pitchFamily="50" charset="-128"/>
+                          <a:cs typeface="Times New Roman" pitchFamily="18" charset="0"/>
+                        </a:rPr>
+                        <a:t>– 4.5.1</a:t>
                       </a:r>
                       <a:endParaRPr kumimoji="1" lang="ja-JP" altLang="en-US" sz="1600" b="0" i="0" u="none" strike="noStrike" cap="none" normalizeH="0" baseline="0" dirty="0" smtClean="0">
                         <a:ln>
